--- a/Продукт (1) (1).pptx
+++ b/Продукт (1) (1).pptx
@@ -5,19 +5,20 @@
     <p:sldMasterId id="2147483650" r:id="rId4"/>
   </p:sldMasterIdLst>
   <p:notesMasterIdLst>
-    <p:notesMasterId r:id="rId12"/>
+    <p:notesMasterId r:id="rId13"/>
   </p:notesMasterIdLst>
   <p:handoutMasterIdLst>
-    <p:handoutMasterId r:id="rId13"/>
+    <p:handoutMasterId r:id="rId14"/>
   </p:handoutMasterIdLst>
   <p:sldIdLst>
     <p:sldId id="312" r:id="rId5"/>
     <p:sldId id="304" r:id="rId6"/>
     <p:sldId id="281" r:id="rId7"/>
     <p:sldId id="282" r:id="rId8"/>
-    <p:sldId id="314" r:id="rId9"/>
-    <p:sldId id="315" r:id="rId10"/>
-    <p:sldId id="297" r:id="rId11"/>
+    <p:sldId id="316" r:id="rId9"/>
+    <p:sldId id="314" r:id="rId10"/>
+    <p:sldId id="315" r:id="rId11"/>
+    <p:sldId id="297" r:id="rId12"/>
   </p:sldIdLst>
   <p:sldSz cx="12192000" cy="6858000"/>
   <p:notesSz cx="13716000" cy="24384000"/>
@@ -18640,6 +18641,147 @@
       </p:grpSpPr>
       <p:sp>
         <p:nvSpPr>
+          <p:cNvPr id="5" name="Заголовок 4">
+            <a:extLst>
+              <a:ext uri="{FF2B5EF4-FFF2-40B4-BE49-F238E27FC236}">
+                <a16:creationId xmlns:a16="http://schemas.microsoft.com/office/drawing/2014/main" id="{2A07AEFD-19B6-E030-DFF0-D7CA85BD833F}"/>
+              </a:ext>
+            </a:extLst>
+          </p:cNvPr>
+          <p:cNvSpPr>
+            <a:spLocks noGrp="1"/>
+          </p:cNvSpPr>
+          <p:nvPr>
+            <p:ph type="title"/>
+          </p:nvPr>
+        </p:nvSpPr>
+        <p:spPr/>
+        <p:txBody>
+          <a:bodyPr/>
+          <a:lstStyle/>
+          <a:p>
+            <a:endParaRPr lang="ru-RU"/>
+          </a:p>
+        </p:txBody>
+      </p:sp>
+      <p:sp>
+        <p:nvSpPr>
+          <p:cNvPr id="6" name="Объект 5">
+            <a:extLst>
+              <a:ext uri="{FF2B5EF4-FFF2-40B4-BE49-F238E27FC236}">
+                <a16:creationId xmlns:a16="http://schemas.microsoft.com/office/drawing/2014/main" id="{0D99961D-C228-E9D1-2FD7-D2BDB7C28E9E}"/>
+              </a:ext>
+            </a:extLst>
+          </p:cNvPr>
+          <p:cNvSpPr>
+            <a:spLocks noGrp="1"/>
+          </p:cNvSpPr>
+          <p:nvPr>
+            <p:ph sz="quarter" idx="4"/>
+          </p:nvPr>
+        </p:nvSpPr>
+        <p:spPr/>
+        <p:txBody>
+          <a:bodyPr/>
+          <a:lstStyle/>
+          <a:p>
+            <a:endParaRPr lang="ru-RU"/>
+          </a:p>
+        </p:txBody>
+      </p:sp>
+      <p:sp>
+        <p:nvSpPr>
+          <p:cNvPr id="4" name="Номер слайда 3">
+            <a:extLst>
+              <a:ext uri="{FF2B5EF4-FFF2-40B4-BE49-F238E27FC236}">
+                <a16:creationId xmlns:a16="http://schemas.microsoft.com/office/drawing/2014/main" id="{E0EA9BBD-3097-D464-C804-D854DCD66B24}"/>
+              </a:ext>
+            </a:extLst>
+          </p:cNvPr>
+          <p:cNvSpPr>
+            <a:spLocks noGrp="1"/>
+          </p:cNvSpPr>
+          <p:nvPr>
+            <p:ph type="sldNum" sz="quarter" idx="10"/>
+          </p:nvPr>
+        </p:nvSpPr>
+        <p:spPr/>
+        <p:txBody>
+          <a:bodyPr/>
+          <a:lstStyle/>
+          <a:p>
+            <a:pPr rtl="0"/>
+            <a:fld id="{48F63A3B-78C7-47BE-AE5E-E10140E04643}" type="slidenum">
+              <a:rPr lang="ru-RU" smtClean="0"/>
+              <a:pPr rtl="0"/>
+              <a:t>5</a:t>
+            </a:fld>
+            <a:endParaRPr lang="ru-RU" dirty="0"/>
+          </a:p>
+        </p:txBody>
+      </p:sp>
+      <p:pic>
+        <p:nvPicPr>
+          <p:cNvPr id="8" name="Рисунок 7">
+            <a:extLst>
+              <a:ext uri="{FF2B5EF4-FFF2-40B4-BE49-F238E27FC236}">
+                <a16:creationId xmlns:a16="http://schemas.microsoft.com/office/drawing/2014/main" id="{F1F91E6F-2DCE-B86A-F232-C502C3310B07}"/>
+              </a:ext>
+            </a:extLst>
+          </p:cNvPr>
+          <p:cNvPicPr>
+            <a:picLocks noChangeAspect="1"/>
+          </p:cNvPicPr>
+          <p:nvPr/>
+        </p:nvPicPr>
+        <p:blipFill>
+          <a:blip r:embed="rId2"/>
+          <a:stretch>
+            <a:fillRect/>
+          </a:stretch>
+        </p:blipFill>
+        <p:spPr>
+          <a:xfrm>
+            <a:off x="0" y="419100"/>
+            <a:ext cx="12192000" cy="6019800"/>
+          </a:xfrm>
+          <a:prstGeom prst="rect">
+            <a:avLst/>
+          </a:prstGeom>
+        </p:spPr>
+      </p:pic>
+    </p:spTree>
+    <p:extLst>
+      <p:ext uri="{BB962C8B-B14F-4D97-AF65-F5344CB8AC3E}">
+        <p14:creationId xmlns:p14="http://schemas.microsoft.com/office/powerpoint/2010/main" val="1018312636"/>
+      </p:ext>
+    </p:extLst>
+  </p:cSld>
+  <p:clrMapOvr>
+    <a:masterClrMapping/>
+  </p:clrMapOvr>
+</p:sld>
+</file>
+
+<file path=ppt/slides/slide6.xml><?xml version="1.0" encoding="utf-8"?>
+<p:sld xmlns:a="http://schemas.openxmlformats.org/drawingml/2006/main" xmlns:r="http://schemas.openxmlformats.org/officeDocument/2006/relationships" xmlns:p="http://schemas.openxmlformats.org/presentationml/2006/main">
+  <p:cSld>
+    <p:spTree>
+      <p:nvGrpSpPr>
+        <p:cNvPr id="1" name=""/>
+        <p:cNvGrpSpPr/>
+        <p:nvPr/>
+      </p:nvGrpSpPr>
+      <p:grpSpPr>
+        <a:xfrm>
+          <a:off x="0" y="0"/>
+          <a:ext cx="0" cy="0"/>
+          <a:chOff x="0" y="0"/>
+          <a:chExt cx="0" cy="0"/>
+        </a:xfrm>
+      </p:grpSpPr>
+      <p:sp>
+        <p:nvSpPr>
           <p:cNvPr id="2" name="Заголовок 1">
             <a:extLst>
               <a:ext uri="{FF2B5EF4-FFF2-40B4-BE49-F238E27FC236}">
@@ -18710,7 +18852,7 @@
             <a:fld id="{48F63A3B-78C7-47BE-AE5E-E10140E04643}" type="slidenum">
               <a:rPr lang="ru-RU" smtClean="0"/>
               <a:pPr rtl="0"/>
-              <a:t>5</a:t>
+              <a:t>6</a:t>
             </a:fld>
             <a:endParaRPr lang="ru-RU" dirty="0"/>
           </a:p>
@@ -18729,7 +18871,7 @@
 </p:sld>
 </file>
 
-<file path=ppt/slides/slide6.xml><?xml version="1.0" encoding="utf-8"?>
+<file path=ppt/slides/slide7.xml><?xml version="1.0" encoding="utf-8"?>
 <p:sld xmlns:a="http://schemas.openxmlformats.org/drawingml/2006/main" xmlns:r="http://schemas.openxmlformats.org/officeDocument/2006/relationships" xmlns:p="http://schemas.openxmlformats.org/presentationml/2006/main">
   <p:cSld>
     <p:spTree>
@@ -18818,7 +18960,7 @@
             <a:fld id="{48F63A3B-78C7-47BE-AE5E-E10140E04643}" type="slidenum">
               <a:rPr lang="ru-RU" smtClean="0"/>
               <a:pPr rtl="0"/>
-              <a:t>6</a:t>
+              <a:t>7</a:t>
             </a:fld>
             <a:endParaRPr lang="ru-RU" dirty="0"/>
           </a:p>
@@ -19001,7 +19143,7 @@
 </p:sld>
 </file>
 
-<file path=ppt/slides/slide7.xml><?xml version="1.0" encoding="utf-8"?>
+<file path=ppt/slides/slide8.xml><?xml version="1.0" encoding="utf-8"?>
 <p:sld xmlns:a="http://schemas.openxmlformats.org/drawingml/2006/main" xmlns:r="http://schemas.openxmlformats.org/officeDocument/2006/relationships" xmlns:p="http://schemas.openxmlformats.org/presentationml/2006/main">
   <p:cSld>
     <p:spTree>
@@ -19985,35 +20127,6 @@
 </file>
 
 <file path=customXml/item1.xml><?xml version="1.0" encoding="utf-8"?>
-<?mso-contentType ?>
-<FormTemplates xmlns="http://schemas.microsoft.com/sharepoint/v3/contenttype/forms">
-  <Display>DocumentLibraryForm</Display>
-  <Edit>DocumentLibraryForm</Edit>
-  <New>DocumentLibraryForm</New>
-</FormTemplates>
-</file>
-
-<file path=customXml/item2.xml><?xml version="1.0" encoding="utf-8"?>
-<p:properties xmlns:p="http://schemas.microsoft.com/office/2006/metadata/properties" xmlns:xsi="http://www.w3.org/2001/XMLSchema-instance" xmlns:pc="http://schemas.microsoft.com/office/infopath/2007/PartnerControls">
-  <documentManagement>
-    <_ip_UnifiedCompliancePolicyUIAction xmlns="http://schemas.microsoft.com/sharepoint/v3" xsi:nil="true"/>
-    <Image xmlns="71af3243-3dd4-4a8d-8c0d-dd76da1f02a5">
-      <Url xsi:nil="true"/>
-      <Description xsi:nil="true"/>
-    </Image>
-    <Status xmlns="71af3243-3dd4-4a8d-8c0d-dd76da1f02a5">Not started</Status>
-    <Background xmlns="71af3243-3dd4-4a8d-8c0d-dd76da1f02a5">false</Background>
-    <_ip_UnifiedCompliancePolicyProperties xmlns="http://schemas.microsoft.com/sharepoint/v3" xsi:nil="true"/>
-    <ImageTagsTaxHTField xmlns="71af3243-3dd4-4a8d-8c0d-dd76da1f02a5">
-      <Terms xmlns="http://schemas.microsoft.com/office/infopath/2007/PartnerControls"/>
-    </ImageTagsTaxHTField>
-    <TaxCatchAll xmlns="230e9df3-be65-4c73-a93b-d1236ebd677e" xsi:nil="true"/>
-    <MediaServiceKeyPoints xmlns="71af3243-3dd4-4a8d-8c0d-dd76da1f02a5" xsi:nil="true"/>
-  </documentManagement>
-</p:properties>
-</file>
-
-<file path=customXml/item3.xml><?xml version="1.0" encoding="utf-8"?>
 <ct:contentTypeSchema xmlns:ct="http://schemas.microsoft.com/office/2006/metadata/contentType" xmlns:ma="http://schemas.microsoft.com/office/2006/metadata/properties/metaAttributes" ct:_="" ma:_="" ma:contentTypeName="Document" ma:contentTypeID="0x01010079F111ED35F8CC479449609E8A0923A6" ma:contentTypeVersion="28" ma:contentTypeDescription="Create a new document." ma:contentTypeScope="" ma:versionID="60f5a4f2d2b0abadcf532d48ebf9cb71">
   <xsd:schema xmlns:xsd="http://www.w3.org/2001/XMLSchema" xmlns:xs="http://www.w3.org/2001/XMLSchema" xmlns:p="http://schemas.microsoft.com/office/2006/metadata/properties" xmlns:ns1="http://schemas.microsoft.com/sharepoint/v3" xmlns:ns2="71af3243-3dd4-4a8d-8c0d-dd76da1f02a5" xmlns:ns3="16c05727-aa75-4e4a-9b5f-8a80a1165891" xmlns:ns4="230e9df3-be65-4c73-a93b-d1236ebd677e" targetNamespace="http://schemas.microsoft.com/office/2006/metadata/properties" ma:root="true" ma:fieldsID="7dd78129e6a1811f84807ad11c651531" ns1:_="" ns2:_="" ns3:_="" ns4:_="">
     <xsd:import namespace="http://schemas.microsoft.com/sharepoint/v3"/>
@@ -20325,27 +20438,36 @@
 </ct:contentTypeSchema>
 </file>
 
-<file path=customXml/itemProps1.xml><?xml version="1.0" encoding="utf-8"?>
-<ds:datastoreItem xmlns:ds="http://schemas.openxmlformats.org/officeDocument/2006/customXml" ds:itemID="{16DBB56F-4362-4386-A1A1-3DF898896616}">
-  <ds:schemaRefs>
-    <ds:schemaRef ds:uri="http://schemas.microsoft.com/sharepoint/v3/contenttype/forms"/>
-  </ds:schemaRefs>
-</ds:datastoreItem>
+<file path=customXml/item2.xml><?xml version="1.0" encoding="utf-8"?>
+<p:properties xmlns:p="http://schemas.microsoft.com/office/2006/metadata/properties" xmlns:xsi="http://www.w3.org/2001/XMLSchema-instance" xmlns:pc="http://schemas.microsoft.com/office/infopath/2007/PartnerControls">
+  <documentManagement>
+    <_ip_UnifiedCompliancePolicyUIAction xmlns="http://schemas.microsoft.com/sharepoint/v3" xsi:nil="true"/>
+    <Image xmlns="71af3243-3dd4-4a8d-8c0d-dd76da1f02a5">
+      <Url xsi:nil="true"/>
+      <Description xsi:nil="true"/>
+    </Image>
+    <Status xmlns="71af3243-3dd4-4a8d-8c0d-dd76da1f02a5">Not started</Status>
+    <Background xmlns="71af3243-3dd4-4a8d-8c0d-dd76da1f02a5">false</Background>
+    <_ip_UnifiedCompliancePolicyProperties xmlns="http://schemas.microsoft.com/sharepoint/v3" xsi:nil="true"/>
+    <ImageTagsTaxHTField xmlns="71af3243-3dd4-4a8d-8c0d-dd76da1f02a5">
+      <Terms xmlns="http://schemas.microsoft.com/office/infopath/2007/PartnerControls"/>
+    </ImageTagsTaxHTField>
+    <TaxCatchAll xmlns="230e9df3-be65-4c73-a93b-d1236ebd677e" xsi:nil="true"/>
+    <MediaServiceKeyPoints xmlns="71af3243-3dd4-4a8d-8c0d-dd76da1f02a5" xsi:nil="true"/>
+  </documentManagement>
+</p:properties>
 </file>
 
-<file path=customXml/itemProps2.xml><?xml version="1.0" encoding="utf-8"?>
-<ds:datastoreItem xmlns:ds="http://schemas.openxmlformats.org/officeDocument/2006/customXml" ds:itemID="{BA719FA4-954C-4FA8-82CB-206659C3B826}">
-  <ds:schemaRefs>
-    <ds:schemaRef ds:uri="http://schemas.microsoft.com/office/2006/metadata/properties"/>
-    <ds:schemaRef ds:uri="http://schemas.microsoft.com/office/infopath/2007/PartnerControls"/>
-    <ds:schemaRef ds:uri="http://schemas.microsoft.com/sharepoint/v3"/>
-    <ds:schemaRef ds:uri="71af3243-3dd4-4a8d-8c0d-dd76da1f02a5"/>
-    <ds:schemaRef ds:uri="230e9df3-be65-4c73-a93b-d1236ebd677e"/>
-  </ds:schemaRefs>
-</ds:datastoreItem>
+<file path=customXml/item3.xml><?xml version="1.0" encoding="utf-8"?>
+<?mso-contentType ?>
+<FormTemplates xmlns="http://schemas.microsoft.com/sharepoint/v3/contenttype/forms">
+  <Display>DocumentLibraryForm</Display>
+  <Edit>DocumentLibraryForm</Edit>
+  <New>DocumentLibraryForm</New>
+</FormTemplates>
 </file>
 
-<file path=customXml/itemProps3.xml><?xml version="1.0" encoding="utf-8"?>
+<file path=customXml/itemProps1.xml><?xml version="1.0" encoding="utf-8"?>
 <ds:datastoreItem xmlns:ds="http://schemas.openxmlformats.org/officeDocument/2006/customXml" ds:itemID="{04948363-B267-4BAC-8655-100FBEC280C1}">
   <ds:schemaRefs>
     <ds:schemaRef ds:uri="http://schemas.microsoft.com/office/2006/metadata/contentType"/>
@@ -20366,6 +20488,26 @@
 </ds:datastoreItem>
 </file>
 
+<file path=customXml/itemProps2.xml><?xml version="1.0" encoding="utf-8"?>
+<ds:datastoreItem xmlns:ds="http://schemas.openxmlformats.org/officeDocument/2006/customXml" ds:itemID="{BA719FA4-954C-4FA8-82CB-206659C3B826}">
+  <ds:schemaRefs>
+    <ds:schemaRef ds:uri="http://schemas.microsoft.com/office/2006/metadata/properties"/>
+    <ds:schemaRef ds:uri="http://schemas.microsoft.com/office/infopath/2007/PartnerControls"/>
+    <ds:schemaRef ds:uri="http://schemas.microsoft.com/sharepoint/v3"/>
+    <ds:schemaRef ds:uri="71af3243-3dd4-4a8d-8c0d-dd76da1f02a5"/>
+    <ds:schemaRef ds:uri="230e9df3-be65-4c73-a93b-d1236ebd677e"/>
+  </ds:schemaRefs>
+</ds:datastoreItem>
+</file>
+
+<file path=customXml/itemProps3.xml><?xml version="1.0" encoding="utf-8"?>
+<ds:datastoreItem xmlns:ds="http://schemas.openxmlformats.org/officeDocument/2006/customXml" ds:itemID="{16DBB56F-4362-4386-A1A1-3DF898896616}">
+  <ds:schemaRefs>
+    <ds:schemaRef ds:uri="http://schemas.microsoft.com/sharepoint/v3/contenttype/forms"/>
+  </ds:schemaRefs>
+</ds:datastoreItem>
+</file>
+
 <file path=docMetadata/LabelInfo.xml><?xml version="1.0" encoding="utf-8"?>
 <clbl:labelList xmlns:clbl="http://schemas.microsoft.com/office/2020/mipLabelMetadata"/>
 </file>